--- a/Pez2015.pptx
+++ b/Pez2015.pptx
@@ -112,6 +112,11 @@
       </a:defRPr>
     </a:lvl9pPr>
   </p:defaultTextStyle>
+  <p:extLst>
+    <p:ext uri="{EFAFB233-063F-42B5-8137-9DF3F51BA10A}">
+      <p15:sldGuideLst xmlns:p15="http://schemas.microsoft.com/office/powerpoint/2012/main"/>
+    </p:ext>
+  </p:extLst>
 </p:presentation>
 </file>
 
@@ -210,7 +215,7 @@
           <a:effectLst/>
           <a:extLst>
             <a:ext uri="{91240B29-F687-4f45-9708-019B960494DF}">
-              <a14:hiddenLine xmlns:a14="http://schemas.microsoft.com/office/drawing/2010/main" xmlns="" w="9525">
+              <a14:hiddenLine xmlns="" xmlns:a14="http://schemas.microsoft.com/office/drawing/2010/main" w="9525">
                 <a:solidFill>
                   <a:srgbClr val="000000"/>
                 </a:solidFill>
@@ -403,7 +408,7 @@
             <a:fld id="{08B9EBBA-996F-894A-B54A-D6246ED52CEA}" type="datetimeFigureOut">
               <a:rPr lang="en-US" dirty="0"/>
               <a:pPr/>
-              <a:t>7/18/16</a:t>
+              <a:t>7/19/16</a:t>
             </a:fld>
             <a:endParaRPr lang="en-US" dirty="0"/>
           </a:p>
@@ -718,7 +723,7 @@
             <a:fld id="{18C79C5D-2A6F-F04D-97DA-BEF2467B64E4}" type="datetimeFigureOut">
               <a:rPr lang="en-US" dirty="0"/>
               <a:pPr/>
-              <a:t>7/18/16</a:t>
+              <a:t>7/19/16</a:t>
             </a:fld>
             <a:endParaRPr lang="en-US" dirty="0"/>
           </a:p>
@@ -1203,7 +1208,7 @@
             <a:fld id="{8DFA1846-DA80-1C48-A609-854EA85C59AD}" type="datetimeFigureOut">
               <a:rPr lang="en-US" dirty="0"/>
               <a:pPr/>
-              <a:t>7/18/16</a:t>
+              <a:t>7/19/16</a:t>
             </a:fld>
             <a:endParaRPr lang="en-US" dirty="0"/>
           </a:p>
@@ -1569,7 +1574,7 @@
             <a:fld id="{FBF54567-0DE4-3F47-BF90-CB84690072F9}" type="datetimeFigureOut">
               <a:rPr lang="en-US" dirty="0"/>
               <a:pPr/>
-              <a:t>7/18/16</a:t>
+              <a:t>7/19/16</a:t>
             </a:fld>
             <a:endParaRPr lang="en-US" dirty="0"/>
           </a:p>
@@ -1720,7 +1725,7 @@
           <a:ln/>
           <a:extLst>
             <a:ext uri="{91240B29-F687-4f45-9708-019B960494DF}">
-              <a14:hiddenLine xmlns:a14="http://schemas.microsoft.com/office/drawing/2010/main" xmlns="" w="9525">
+              <a14:hiddenLine xmlns="" xmlns:a14="http://schemas.microsoft.com/office/drawing/2010/main" w="9525">
                 <a:solidFill>
                   <a:srgbClr val="000000"/>
                 </a:solidFill>
@@ -1839,7 +1844,7 @@
             <a:fld id="{C6C52C72-DE31-F449-A4ED-4C594FD91407}" type="datetimeFigureOut">
               <a:rPr lang="en-US" dirty="0"/>
               <a:pPr/>
-              <a:t>7/18/16</a:t>
+              <a:t>7/19/16</a:t>
             </a:fld>
             <a:endParaRPr lang="en-US" dirty="0"/>
           </a:p>
@@ -1992,7 +1997,7 @@
           <a:ln/>
           <a:extLst>
             <a:ext uri="{91240B29-F687-4f45-9708-019B960494DF}">
-              <a14:hiddenLine xmlns:a14="http://schemas.microsoft.com/office/drawing/2010/main" xmlns="" w="9525">
+              <a14:hiddenLine xmlns="" xmlns:a14="http://schemas.microsoft.com/office/drawing/2010/main" w="9525">
                 <a:solidFill>
                   <a:srgbClr val="000000"/>
                 </a:solidFill>
@@ -2121,7 +2126,7 @@
             <a:fld id="{ED62726E-379B-B349-9EED-81ED093FA806}" type="datetimeFigureOut">
               <a:rPr lang="en-US" dirty="0"/>
               <a:pPr/>
-              <a:t>7/18/16</a:t>
+              <a:t>7/19/16</a:t>
             </a:fld>
             <a:endParaRPr lang="en-US" dirty="0"/>
           </a:p>
@@ -2272,7 +2277,7 @@
           <a:ln/>
           <a:extLst>
             <a:ext uri="{91240B29-F687-4f45-9708-019B960494DF}">
-              <a14:hiddenLine xmlns:a14="http://schemas.microsoft.com/office/drawing/2010/main" xmlns="" w="9525">
+              <a14:hiddenLine xmlns="" xmlns:a14="http://schemas.microsoft.com/office/drawing/2010/main" w="9525">
                 <a:solidFill>
                   <a:srgbClr val="000000"/>
                 </a:solidFill>
@@ -2401,7 +2406,7 @@
             <a:fld id="{9B3A1323-8D79-1946-B0D7-40001CF92E9D}" type="datetimeFigureOut">
               <a:rPr lang="en-US" dirty="0"/>
               <a:pPr/>
-              <a:t>7/18/16</a:t>
+              <a:t>7/19/16</a:t>
             </a:fld>
             <a:endParaRPr lang="en-US" dirty="0"/>
           </a:p>
@@ -2741,7 +2746,7 @@
             <a:fld id="{8DFA1846-DA80-1C48-A609-854EA85C59AD}" type="datetimeFigureOut">
               <a:rPr lang="en-US" dirty="0"/>
               <a:pPr/>
-              <a:t>7/18/16</a:t>
+              <a:t>7/19/16</a:t>
             </a:fld>
             <a:endParaRPr lang="en-US" dirty="0"/>
           </a:p>
@@ -2892,7 +2897,7 @@
           <a:ln/>
           <a:extLst>
             <a:ext uri="{91240B29-F687-4f45-9708-019B960494DF}">
-              <a14:hiddenLine xmlns:a14="http://schemas.microsoft.com/office/drawing/2010/main" xmlns="" w="9525">
+              <a14:hiddenLine xmlns="" xmlns:a14="http://schemas.microsoft.com/office/drawing/2010/main" w="9525">
                 <a:solidFill>
                   <a:srgbClr val="000000"/>
                 </a:solidFill>
@@ -3077,7 +3082,7 @@
             <a:fld id="{57302355-E14B-8545-A8F8-0FE83CC9D524}" type="datetimeFigureOut">
               <a:rPr lang="en-US" dirty="0"/>
               <a:pPr/>
-              <a:t>7/18/16</a:t>
+              <a:t>7/19/16</a:t>
             </a:fld>
             <a:endParaRPr lang="en-US" dirty="0"/>
           </a:p>
@@ -3228,7 +3233,7 @@
           <a:ln/>
           <a:extLst>
             <a:ext uri="{91240B29-F687-4f45-9708-019B960494DF}">
-              <a14:hiddenLine xmlns:a14="http://schemas.microsoft.com/office/drawing/2010/main" xmlns="" w="9525">
+              <a14:hiddenLine xmlns="" xmlns:a14="http://schemas.microsoft.com/office/drawing/2010/main" w="9525">
                 <a:solidFill>
                   <a:srgbClr val="000000"/>
                 </a:solidFill>
@@ -3551,7 +3556,7 @@
             <a:fld id="{02640F58-564D-2B4F-AE67-E407BA4FCF45}" type="datetimeFigureOut">
               <a:rPr lang="en-US" dirty="0"/>
               <a:pPr/>
-              <a:t>7/18/16</a:t>
+              <a:t>7/19/16</a:t>
             </a:fld>
             <a:endParaRPr lang="en-US" dirty="0"/>
           </a:p>
@@ -3702,7 +3707,7 @@
           <a:ln/>
           <a:extLst>
             <a:ext uri="{91240B29-F687-4f45-9708-019B960494DF}">
-              <a14:hiddenLine xmlns:a14="http://schemas.microsoft.com/office/drawing/2010/main" xmlns="" w="9525">
+              <a14:hiddenLine xmlns="" xmlns:a14="http://schemas.microsoft.com/office/drawing/2010/main" w="9525">
                 <a:solidFill>
                   <a:srgbClr val="000000"/>
                 </a:solidFill>
@@ -3769,7 +3774,7 @@
             <a:fld id="{F13A34C8-038E-2045-AF43-DF7DBB8E0E9E}" type="datetimeFigureOut">
               <a:rPr lang="en-US" dirty="0"/>
               <a:pPr/>
-              <a:t>7/18/16</a:t>
+              <a:t>7/19/16</a:t>
             </a:fld>
             <a:endParaRPr lang="en-US" dirty="0"/>
           </a:p>
@@ -3861,7 +3866,7 @@
             <a:fld id="{8818C68F-D26B-8F47-958C-23B49CF8A634}" type="datetimeFigureOut">
               <a:rPr lang="en-US" dirty="0"/>
               <a:pPr/>
-              <a:t>7/18/16</a:t>
+              <a:t>7/19/16</a:t>
             </a:fld>
             <a:endParaRPr lang="en-US" dirty="0"/>
           </a:p>
@@ -4125,7 +4130,7 @@
           <a:ln/>
           <a:extLst>
             <a:ext uri="{91240B29-F687-4f45-9708-019B960494DF}">
-              <a14:hiddenLine xmlns:a14="http://schemas.microsoft.com/office/drawing/2010/main" xmlns="" w="9525">
+              <a14:hiddenLine xmlns="" xmlns:a14="http://schemas.microsoft.com/office/drawing/2010/main" w="9525">
                 <a:solidFill>
                   <a:srgbClr val="000000"/>
                 </a:solidFill>
@@ -4325,7 +4330,7 @@
             <a:fld id="{D0DF5E60-9974-AC48-9591-99C2BB44B7CF}" type="datetimeFigureOut">
               <a:rPr lang="en-US" dirty="0"/>
               <a:pPr/>
-              <a:t>7/18/16</a:t>
+              <a:t>7/19/16</a:t>
             </a:fld>
             <a:endParaRPr lang="en-US" dirty="0"/>
           </a:p>
@@ -4635,7 +4640,7 @@
             <a:fld id="{18C79C5D-2A6F-F04D-97DA-BEF2467B64E4}" type="datetimeFigureOut">
               <a:rPr lang="en-US" dirty="0"/>
               <a:pPr/>
-              <a:t>7/18/16</a:t>
+              <a:t>7/19/16</a:t>
             </a:fld>
             <a:endParaRPr lang="en-US" dirty="0"/>
           </a:p>
@@ -4902,7 +4907,7 @@
             <a:fld id="{09B482E8-6E0E-1B4F-B1FD-C69DB9E858D9}" type="datetimeFigureOut">
               <a:rPr lang="en-US" dirty="0"/>
               <a:pPr/>
-              <a:t>7/18/16</a:t>
+              <a:t>7/19/16</a:t>
             </a:fld>
             <a:endParaRPr lang="en-US" dirty="0"/>
           </a:p>
@@ -5365,7 +5370,11 @@
           <a:p>
             <a:r>
               <a:rPr lang="el-GR" smtClean="0"/>
-              <a:t>ΒΑΣΕΙΣ ΔΕΔΟΜΕΝΩΝ</a:t>
+              <a:t>ΙΑΤΡΙΚΕΣ ΒΑΣΕΙΣ </a:t>
+            </a:r>
+            <a:r>
+              <a:rPr lang="el-GR" smtClean="0"/>
+              <a:t>ΔΕΔΟΜΕΝΩΝ</a:t>
             </a:r>
             <a:endParaRPr lang="en-US" dirty="0"/>
           </a:p>

--- a/Pez2015.pptx
+++ b/Pez2015.pptx
@@ -215,7 +215,7 @@
           <a:effectLst/>
           <a:extLst>
             <a:ext uri="{91240B29-F687-4f45-9708-019B960494DF}">
-              <a14:hiddenLine xmlns="" xmlns:a14="http://schemas.microsoft.com/office/drawing/2010/main" w="9525">
+              <a14:hiddenLine xmlns:a14="http://schemas.microsoft.com/office/drawing/2010/main" xmlns="" w="9525">
                 <a:solidFill>
                   <a:srgbClr val="000000"/>
                 </a:solidFill>
@@ -1725,7 +1725,7 @@
           <a:ln/>
           <a:extLst>
             <a:ext uri="{91240B29-F687-4f45-9708-019B960494DF}">
-              <a14:hiddenLine xmlns="" xmlns:a14="http://schemas.microsoft.com/office/drawing/2010/main" w="9525">
+              <a14:hiddenLine xmlns:a14="http://schemas.microsoft.com/office/drawing/2010/main" xmlns="" w="9525">
                 <a:solidFill>
                   <a:srgbClr val="000000"/>
                 </a:solidFill>
@@ -1997,7 +1997,7 @@
           <a:ln/>
           <a:extLst>
             <a:ext uri="{91240B29-F687-4f45-9708-019B960494DF}">
-              <a14:hiddenLine xmlns="" xmlns:a14="http://schemas.microsoft.com/office/drawing/2010/main" w="9525">
+              <a14:hiddenLine xmlns:a14="http://schemas.microsoft.com/office/drawing/2010/main" xmlns="" w="9525">
                 <a:solidFill>
                   <a:srgbClr val="000000"/>
                 </a:solidFill>
@@ -2277,7 +2277,7 @@
           <a:ln/>
           <a:extLst>
             <a:ext uri="{91240B29-F687-4f45-9708-019B960494DF}">
-              <a14:hiddenLine xmlns="" xmlns:a14="http://schemas.microsoft.com/office/drawing/2010/main" w="9525">
+              <a14:hiddenLine xmlns:a14="http://schemas.microsoft.com/office/drawing/2010/main" xmlns="" w="9525">
                 <a:solidFill>
                   <a:srgbClr val="000000"/>
                 </a:solidFill>
@@ -2897,7 +2897,7 @@
           <a:ln/>
           <a:extLst>
             <a:ext uri="{91240B29-F687-4f45-9708-019B960494DF}">
-              <a14:hiddenLine xmlns="" xmlns:a14="http://schemas.microsoft.com/office/drawing/2010/main" w="9525">
+              <a14:hiddenLine xmlns:a14="http://schemas.microsoft.com/office/drawing/2010/main" xmlns="" w="9525">
                 <a:solidFill>
                   <a:srgbClr val="000000"/>
                 </a:solidFill>
@@ -3233,7 +3233,7 @@
           <a:ln/>
           <a:extLst>
             <a:ext uri="{91240B29-F687-4f45-9708-019B960494DF}">
-              <a14:hiddenLine xmlns="" xmlns:a14="http://schemas.microsoft.com/office/drawing/2010/main" w="9525">
+              <a14:hiddenLine xmlns:a14="http://schemas.microsoft.com/office/drawing/2010/main" xmlns="" w="9525">
                 <a:solidFill>
                   <a:srgbClr val="000000"/>
                 </a:solidFill>
@@ -3707,7 +3707,7 @@
           <a:ln/>
           <a:extLst>
             <a:ext uri="{91240B29-F687-4f45-9708-019B960494DF}">
-              <a14:hiddenLine xmlns="" xmlns:a14="http://schemas.microsoft.com/office/drawing/2010/main" w="9525">
+              <a14:hiddenLine xmlns:a14="http://schemas.microsoft.com/office/drawing/2010/main" xmlns="" w="9525">
                 <a:solidFill>
                   <a:srgbClr val="000000"/>
                 </a:solidFill>
@@ -4130,7 +4130,7 @@
           <a:ln/>
           <a:extLst>
             <a:ext uri="{91240B29-F687-4f45-9708-019B960494DF}">
-              <a14:hiddenLine xmlns="" xmlns:a14="http://schemas.microsoft.com/office/drawing/2010/main" w="9525">
+              <a14:hiddenLine xmlns:a14="http://schemas.microsoft.com/office/drawing/2010/main" xmlns="" w="9525">
                 <a:solidFill>
                   <a:srgbClr val="000000"/>
                 </a:solidFill>
@@ -5370,11 +5370,7 @@
           <a:p>
             <a:r>
               <a:rPr lang="el-GR" smtClean="0"/>
-              <a:t>ΙΑΤΡΙΚΕΣ ΒΑΣΕΙΣ </a:t>
-            </a:r>
-            <a:r>
-              <a:rPr lang="el-GR" smtClean="0"/>
-              <a:t>ΔΕΔΟΜΕΝΩΝ</a:t>
+              <a:t>ΙΑΤΡΙΚΕΣ ΒΑΣΕΙΣ ΔΕΔΟΜΕΝΩΝ</a:t>
             </a:r>
             <a:endParaRPr lang="en-US" dirty="0"/>
           </a:p>
@@ -5413,6 +5409,13 @@
   <p:clrMapOvr>
     <a:masterClrMapping/>
   </p:clrMapOvr>
+  <p:timing>
+    <p:tnLst>
+      <p:par>
+        <p:cTn id="1" dur="indefinite" restart="never" nodeType="tmRoot"/>
+      </p:par>
+    </p:tnLst>
+  </p:timing>
 </p:sld>
 </file>
 
@@ -5509,6 +5512,13 @@
   <p:clrMapOvr>
     <a:masterClrMapping/>
   </p:clrMapOvr>
+  <p:timing>
+    <p:tnLst>
+      <p:par>
+        <p:cTn id="1" dur="indefinite" restart="never" nodeType="tmRoot"/>
+      </p:par>
+    </p:tnLst>
+  </p:timing>
 </p:sld>
 </file>
 
@@ -5717,6 +5727,13 @@
   <p:clrMapOvr>
     <a:masterClrMapping/>
   </p:clrMapOvr>
+  <p:timing>
+    <p:tnLst>
+      <p:par>
+        <p:cTn id="1" dur="indefinite" restart="never" nodeType="tmRoot"/>
+      </p:par>
+    </p:tnLst>
+  </p:timing>
 </p:sld>
 </file>
 
@@ -5987,6 +6004,13 @@
   <p:clrMapOvr>
     <a:masterClrMapping/>
   </p:clrMapOvr>
+  <p:timing>
+    <p:tnLst>
+      <p:par>
+        <p:cTn id="1" dur="indefinite" restart="never" nodeType="tmRoot"/>
+      </p:par>
+    </p:tnLst>
+  </p:timing>
 </p:sld>
 </file>
 
